--- a/scade.pptx
+++ b/scade.pptx
@@ -5,7 +5,7 @@
     <p:sldMasterId id="2147483648" r:id="rId1"/>
   </p:sldMasterIdLst>
   <p:notesMasterIdLst>
-    <p:notesMasterId r:id="rId16"/>
+    <p:notesMasterId r:id="rId20"/>
   </p:notesMasterIdLst>
   <p:sldIdLst>
     <p:sldId id="256" r:id="rId2"/>
@@ -22,6 +22,10 @@
     <p:sldId id="265" r:id="rId13"/>
     <p:sldId id="257" r:id="rId14"/>
     <p:sldId id="258" r:id="rId15"/>
+    <p:sldId id="270" r:id="rId16"/>
+    <p:sldId id="271" r:id="rId17"/>
+    <p:sldId id="273" r:id="rId18"/>
+    <p:sldId id="272" r:id="rId19"/>
   </p:sldIdLst>
   <p:sldSz cx="12192000" cy="6858000"/>
   <p:notesSz cx="6858000" cy="9144000"/>
@@ -210,7 +214,7 @@
           <a:p>
             <a:fld id="{3744C8BF-56B8-46D4-ADA5-A0AF811348DF}" type="datetimeFigureOut">
               <a:rPr lang="zh-CN" altLang="en-US" smtClean="0"/>
-              <a:t>2023/8/14</a:t>
+              <a:t>2023/8/20</a:t>
             </a:fld>
             <a:endParaRPr lang="zh-CN" altLang="en-US"/>
           </a:p>
@@ -708,7 +712,7 @@
           <a:p>
             <a:fld id="{C61D74A4-027F-4A2B-8B92-D0C194C50910}" type="datetimeFigureOut">
               <a:rPr lang="zh-CN" altLang="en-US" smtClean="0"/>
-              <a:t>2023/8/14</a:t>
+              <a:t>2023/8/20</a:t>
             </a:fld>
             <a:endParaRPr lang="zh-CN" altLang="en-US"/>
           </a:p>
@@ -906,7 +910,7 @@
           <a:p>
             <a:fld id="{C61D74A4-027F-4A2B-8B92-D0C194C50910}" type="datetimeFigureOut">
               <a:rPr lang="zh-CN" altLang="en-US" smtClean="0"/>
-              <a:t>2023/8/14</a:t>
+              <a:t>2023/8/20</a:t>
             </a:fld>
             <a:endParaRPr lang="zh-CN" altLang="en-US"/>
           </a:p>
@@ -1114,7 +1118,7 @@
           <a:p>
             <a:fld id="{C61D74A4-027F-4A2B-8B92-D0C194C50910}" type="datetimeFigureOut">
               <a:rPr lang="zh-CN" altLang="en-US" smtClean="0"/>
-              <a:t>2023/8/14</a:t>
+              <a:t>2023/8/20</a:t>
             </a:fld>
             <a:endParaRPr lang="zh-CN" altLang="en-US"/>
           </a:p>
@@ -1312,7 +1316,7 @@
           <a:p>
             <a:fld id="{C61D74A4-027F-4A2B-8B92-D0C194C50910}" type="datetimeFigureOut">
               <a:rPr lang="zh-CN" altLang="en-US" smtClean="0"/>
-              <a:t>2023/8/14</a:t>
+              <a:t>2023/8/20</a:t>
             </a:fld>
             <a:endParaRPr lang="zh-CN" altLang="en-US"/>
           </a:p>
@@ -1587,7 +1591,7 @@
           <a:p>
             <a:fld id="{C61D74A4-027F-4A2B-8B92-D0C194C50910}" type="datetimeFigureOut">
               <a:rPr lang="zh-CN" altLang="en-US" smtClean="0"/>
-              <a:t>2023/8/14</a:t>
+              <a:t>2023/8/20</a:t>
             </a:fld>
             <a:endParaRPr lang="zh-CN" altLang="en-US"/>
           </a:p>
@@ -1852,7 +1856,7 @@
           <a:p>
             <a:fld id="{C61D74A4-027F-4A2B-8B92-D0C194C50910}" type="datetimeFigureOut">
               <a:rPr lang="zh-CN" altLang="en-US" smtClean="0"/>
-              <a:t>2023/8/14</a:t>
+              <a:t>2023/8/20</a:t>
             </a:fld>
             <a:endParaRPr lang="zh-CN" altLang="en-US"/>
           </a:p>
@@ -2264,7 +2268,7 @@
           <a:p>
             <a:fld id="{C61D74A4-027F-4A2B-8B92-D0C194C50910}" type="datetimeFigureOut">
               <a:rPr lang="zh-CN" altLang="en-US" smtClean="0"/>
-              <a:t>2023/8/14</a:t>
+              <a:t>2023/8/20</a:t>
             </a:fld>
             <a:endParaRPr lang="zh-CN" altLang="en-US"/>
           </a:p>
@@ -2405,7 +2409,7 @@
           <a:p>
             <a:fld id="{C61D74A4-027F-4A2B-8B92-D0C194C50910}" type="datetimeFigureOut">
               <a:rPr lang="zh-CN" altLang="en-US" smtClean="0"/>
-              <a:t>2023/8/14</a:t>
+              <a:t>2023/8/20</a:t>
             </a:fld>
             <a:endParaRPr lang="zh-CN" altLang="en-US"/>
           </a:p>
@@ -2518,7 +2522,7 @@
           <a:p>
             <a:fld id="{C61D74A4-027F-4A2B-8B92-D0C194C50910}" type="datetimeFigureOut">
               <a:rPr lang="zh-CN" altLang="en-US" smtClean="0"/>
-              <a:t>2023/8/14</a:t>
+              <a:t>2023/8/20</a:t>
             </a:fld>
             <a:endParaRPr lang="zh-CN" altLang="en-US"/>
           </a:p>
@@ -2829,7 +2833,7 @@
           <a:p>
             <a:fld id="{C61D74A4-027F-4A2B-8B92-D0C194C50910}" type="datetimeFigureOut">
               <a:rPr lang="zh-CN" altLang="en-US" smtClean="0"/>
-              <a:t>2023/8/14</a:t>
+              <a:t>2023/8/20</a:t>
             </a:fld>
             <a:endParaRPr lang="zh-CN" altLang="en-US"/>
           </a:p>
@@ -3117,7 +3121,7 @@
           <a:p>
             <a:fld id="{C61D74A4-027F-4A2B-8B92-D0C194C50910}" type="datetimeFigureOut">
               <a:rPr lang="zh-CN" altLang="en-US" smtClean="0"/>
-              <a:t>2023/8/14</a:t>
+              <a:t>2023/8/20</a:t>
             </a:fld>
             <a:endParaRPr lang="zh-CN" altLang="en-US"/>
           </a:p>
@@ -3358,7 +3362,7 @@
           <a:p>
             <a:fld id="{C61D74A4-027F-4A2B-8B92-D0C194C50910}" type="datetimeFigureOut">
               <a:rPr lang="zh-CN" altLang="en-US" smtClean="0"/>
-              <a:t>2023/8/14</a:t>
+              <a:t>2023/8/20</a:t>
             </a:fld>
             <a:endParaRPr lang="zh-CN" altLang="en-US"/>
           </a:p>
@@ -5215,6 +5219,785 @@
     <p:extLst>
       <p:ext uri="{BB962C8B-B14F-4D97-AF65-F5344CB8AC3E}">
         <p14:creationId xmlns:p14="http://schemas.microsoft.com/office/powerpoint/2010/main" val="4149668451"/>
+      </p:ext>
+    </p:extLst>
+  </p:cSld>
+  <p:clrMapOvr>
+    <a:masterClrMapping/>
+  </p:clrMapOvr>
+</p:sld>
+</file>
+
+<file path=ppt/slides/slide15.xml><?xml version="1.0" encoding="utf-8"?>
+<p:sld xmlns:a="http://schemas.openxmlformats.org/drawingml/2006/main" xmlns:r="http://schemas.openxmlformats.org/officeDocument/2006/relationships" xmlns:p="http://schemas.openxmlformats.org/presentationml/2006/main">
+  <p:cSld>
+    <p:spTree>
+      <p:nvGrpSpPr>
+        <p:cNvPr id="1" name=""/>
+        <p:cNvGrpSpPr/>
+        <p:nvPr/>
+      </p:nvGrpSpPr>
+      <p:grpSpPr>
+        <a:xfrm>
+          <a:off x="0" y="0"/>
+          <a:ext cx="0" cy="0"/>
+          <a:chOff x="0" y="0"/>
+          <a:chExt cx="0" cy="0"/>
+        </a:xfrm>
+      </p:grpSpPr>
+      <p:pic>
+        <p:nvPicPr>
+          <p:cNvPr id="4" name="图片 3">
+            <a:extLst>
+              <a:ext uri="{FF2B5EF4-FFF2-40B4-BE49-F238E27FC236}">
+                <a16:creationId xmlns:a16="http://schemas.microsoft.com/office/drawing/2014/main" id="{D301C140-BDBE-4148-A48E-5F74C4514D2B}"/>
+              </a:ext>
+            </a:extLst>
+          </p:cNvPr>
+          <p:cNvPicPr>
+            <a:picLocks noChangeAspect="1"/>
+          </p:cNvPicPr>
+          <p:nvPr/>
+        </p:nvPicPr>
+        <p:blipFill>
+          <a:blip r:embed="rId2"/>
+          <a:stretch>
+            <a:fillRect/>
+          </a:stretch>
+        </p:blipFill>
+        <p:spPr>
+          <a:xfrm>
+            <a:off x="602532" y="956145"/>
+            <a:ext cx="1600339" cy="373412"/>
+          </a:xfrm>
+          <a:prstGeom prst="rect">
+            <a:avLst/>
+          </a:prstGeom>
+        </p:spPr>
+      </p:pic>
+      <p:pic>
+        <p:nvPicPr>
+          <p:cNvPr id="5" name="图片 4">
+            <a:extLst>
+              <a:ext uri="{FF2B5EF4-FFF2-40B4-BE49-F238E27FC236}">
+                <a16:creationId xmlns:a16="http://schemas.microsoft.com/office/drawing/2014/main" id="{F9BBC734-04D3-4583-8C23-23058072C665}"/>
+              </a:ext>
+            </a:extLst>
+          </p:cNvPr>
+          <p:cNvPicPr>
+            <a:picLocks noChangeAspect="1"/>
+          </p:cNvPicPr>
+          <p:nvPr/>
+        </p:nvPicPr>
+        <p:blipFill>
+          <a:blip r:embed="rId3"/>
+          <a:stretch>
+            <a:fillRect/>
+          </a:stretch>
+        </p:blipFill>
+        <p:spPr>
+          <a:xfrm>
+            <a:off x="3321862" y="788490"/>
+            <a:ext cx="3383573" cy="541067"/>
+          </a:xfrm>
+          <a:prstGeom prst="rect">
+            <a:avLst/>
+          </a:prstGeom>
+        </p:spPr>
+      </p:pic>
+      <p:sp>
+        <p:nvSpPr>
+          <p:cNvPr id="6" name="文本框 5">
+            <a:extLst>
+              <a:ext uri="{FF2B5EF4-FFF2-40B4-BE49-F238E27FC236}">
+                <a16:creationId xmlns:a16="http://schemas.microsoft.com/office/drawing/2014/main" id="{A40EE023-2C81-4585-B497-1E86D33C9CFA}"/>
+              </a:ext>
+            </a:extLst>
+          </p:cNvPr>
+          <p:cNvSpPr txBox="1"/>
+          <p:nvPr/>
+        </p:nvSpPr>
+        <p:spPr>
+          <a:xfrm>
+            <a:off x="298580" y="233265"/>
+            <a:ext cx="6503436" cy="369332"/>
+          </a:xfrm>
+          <a:prstGeom prst="rect">
+            <a:avLst/>
+          </a:prstGeom>
+          <a:noFill/>
+        </p:spPr>
+        <p:txBody>
+          <a:bodyPr wrap="square" rtlCol="0">
+            <a:spAutoFit/>
+          </a:bodyPr>
+          <a:lstStyle/>
+          <a:p>
+            <a:r>
+              <a:rPr lang="zh-CN" altLang="en-US"/>
+              <a:t>要查看一个变量的</a:t>
+            </a:r>
+            <a:r>
+              <a:rPr lang="en-US" altLang="zh-CN"/>
+              <a:t>Properties</a:t>
+            </a:r>
+            <a:r>
+              <a:rPr lang="zh-CN" altLang="en-US"/>
+              <a:t>，需将其设置为</a:t>
+            </a:r>
+            <a:r>
+              <a:rPr lang="en-US" altLang="zh-CN"/>
+              <a:t>standard</a:t>
+            </a:r>
+          </a:p>
+        </p:txBody>
+      </p:sp>
+      <p:pic>
+        <p:nvPicPr>
+          <p:cNvPr id="8" name="图片 7">
+            <a:extLst>
+              <a:ext uri="{FF2B5EF4-FFF2-40B4-BE49-F238E27FC236}">
+                <a16:creationId xmlns:a16="http://schemas.microsoft.com/office/drawing/2014/main" id="{2BDD19EF-4BEB-413E-8891-06BC3215AD80}"/>
+              </a:ext>
+            </a:extLst>
+          </p:cNvPr>
+          <p:cNvPicPr>
+            <a:picLocks noChangeAspect="1"/>
+          </p:cNvPicPr>
+          <p:nvPr/>
+        </p:nvPicPr>
+        <p:blipFill>
+          <a:blip r:embed="rId4"/>
+          <a:stretch>
+            <a:fillRect/>
+          </a:stretch>
+        </p:blipFill>
+        <p:spPr>
+          <a:xfrm>
+            <a:off x="6810619" y="1329557"/>
+            <a:ext cx="4778849" cy="5402736"/>
+          </a:xfrm>
+          <a:prstGeom prst="rect">
+            <a:avLst/>
+          </a:prstGeom>
+        </p:spPr>
+      </p:pic>
+      <p:pic>
+        <p:nvPicPr>
+          <p:cNvPr id="9" name="图片 8">
+            <a:extLst>
+              <a:ext uri="{FF2B5EF4-FFF2-40B4-BE49-F238E27FC236}">
+                <a16:creationId xmlns:a16="http://schemas.microsoft.com/office/drawing/2014/main" id="{F29EF1F7-7E3E-4EC0-9047-16D8D753735A}"/>
+              </a:ext>
+            </a:extLst>
+          </p:cNvPr>
+          <p:cNvPicPr>
+            <a:picLocks noChangeAspect="1"/>
+          </p:cNvPicPr>
+          <p:nvPr/>
+        </p:nvPicPr>
+        <p:blipFill>
+          <a:blip r:embed="rId5"/>
+          <a:stretch>
+            <a:fillRect/>
+          </a:stretch>
+        </p:blipFill>
+        <p:spPr>
+          <a:xfrm>
+            <a:off x="381512" y="2307565"/>
+            <a:ext cx="5880699" cy="4424728"/>
+          </a:xfrm>
+          <a:prstGeom prst="rect">
+            <a:avLst/>
+          </a:prstGeom>
+        </p:spPr>
+      </p:pic>
+      <p:pic>
+        <p:nvPicPr>
+          <p:cNvPr id="10" name="图片 9">
+            <a:extLst>
+              <a:ext uri="{FF2B5EF4-FFF2-40B4-BE49-F238E27FC236}">
+                <a16:creationId xmlns:a16="http://schemas.microsoft.com/office/drawing/2014/main" id="{E117F73F-6348-4FCA-9575-91ABCF938300}"/>
+              </a:ext>
+            </a:extLst>
+          </p:cNvPr>
+          <p:cNvPicPr>
+            <a:picLocks noChangeAspect="1"/>
+          </p:cNvPicPr>
+          <p:nvPr/>
+        </p:nvPicPr>
+        <p:blipFill>
+          <a:blip r:embed="rId6"/>
+          <a:stretch>
+            <a:fillRect/>
+          </a:stretch>
+        </p:blipFill>
+        <p:spPr>
+          <a:xfrm>
+            <a:off x="7069645" y="417931"/>
+            <a:ext cx="3688400" cy="525826"/>
+          </a:xfrm>
+          <a:prstGeom prst="rect">
+            <a:avLst/>
+          </a:prstGeom>
+        </p:spPr>
+      </p:pic>
+      <p:pic>
+        <p:nvPicPr>
+          <p:cNvPr id="11" name="图片 10">
+            <a:extLst>
+              <a:ext uri="{FF2B5EF4-FFF2-40B4-BE49-F238E27FC236}">
+                <a16:creationId xmlns:a16="http://schemas.microsoft.com/office/drawing/2014/main" id="{ACE1CA47-480D-4520-80CB-5799CD38B813}"/>
+              </a:ext>
+            </a:extLst>
+          </p:cNvPr>
+          <p:cNvPicPr>
+            <a:picLocks noChangeAspect="1"/>
+          </p:cNvPicPr>
+          <p:nvPr/>
+        </p:nvPicPr>
+        <p:blipFill>
+          <a:blip r:embed="rId7"/>
+          <a:stretch>
+            <a:fillRect/>
+          </a:stretch>
+        </p:blipFill>
+        <p:spPr>
+          <a:xfrm>
+            <a:off x="680236" y="1515450"/>
+            <a:ext cx="4580017" cy="586791"/>
+          </a:xfrm>
+          <a:prstGeom prst="rect">
+            <a:avLst/>
+          </a:prstGeom>
+        </p:spPr>
+      </p:pic>
+    </p:spTree>
+    <p:extLst>
+      <p:ext uri="{BB962C8B-B14F-4D97-AF65-F5344CB8AC3E}">
+        <p14:creationId xmlns:p14="http://schemas.microsoft.com/office/powerpoint/2010/main" val="2955482188"/>
+      </p:ext>
+    </p:extLst>
+  </p:cSld>
+  <p:clrMapOvr>
+    <a:masterClrMapping/>
+  </p:clrMapOvr>
+</p:sld>
+</file>
+
+<file path=ppt/slides/slide16.xml><?xml version="1.0" encoding="utf-8"?>
+<p:sld xmlns:a="http://schemas.openxmlformats.org/drawingml/2006/main" xmlns:r="http://schemas.openxmlformats.org/officeDocument/2006/relationships" xmlns:p="http://schemas.openxmlformats.org/presentationml/2006/main">
+  <p:cSld>
+    <p:spTree>
+      <p:nvGrpSpPr>
+        <p:cNvPr id="1" name=""/>
+        <p:cNvGrpSpPr/>
+        <p:nvPr/>
+      </p:nvGrpSpPr>
+      <p:grpSpPr>
+        <a:xfrm>
+          <a:off x="0" y="0"/>
+          <a:ext cx="0" cy="0"/>
+          <a:chOff x="0" y="0"/>
+          <a:chExt cx="0" cy="0"/>
+        </a:xfrm>
+      </p:grpSpPr>
+      <p:pic>
+        <p:nvPicPr>
+          <p:cNvPr id="4" name="图片 3">
+            <a:extLst>
+              <a:ext uri="{FF2B5EF4-FFF2-40B4-BE49-F238E27FC236}">
+                <a16:creationId xmlns:a16="http://schemas.microsoft.com/office/drawing/2014/main" id="{35E14CEE-25F3-44BA-84E9-907D73976424}"/>
+              </a:ext>
+            </a:extLst>
+          </p:cNvPr>
+          <p:cNvPicPr>
+            <a:picLocks noChangeAspect="1"/>
+          </p:cNvPicPr>
+          <p:nvPr/>
+        </p:nvPicPr>
+        <p:blipFill>
+          <a:blip r:embed="rId2"/>
+          <a:stretch>
+            <a:fillRect/>
+          </a:stretch>
+        </p:blipFill>
+        <p:spPr>
+          <a:xfrm>
+            <a:off x="290006" y="167393"/>
+            <a:ext cx="4054191" cy="327688"/>
+          </a:xfrm>
+          <a:prstGeom prst="rect">
+            <a:avLst/>
+          </a:prstGeom>
+        </p:spPr>
+      </p:pic>
+      <p:pic>
+        <p:nvPicPr>
+          <p:cNvPr id="5" name="图片 4">
+            <a:extLst>
+              <a:ext uri="{FF2B5EF4-FFF2-40B4-BE49-F238E27FC236}">
+                <a16:creationId xmlns:a16="http://schemas.microsoft.com/office/drawing/2014/main" id="{DC8723F6-77C9-462D-AA3E-E12B8C8632C6}"/>
+              </a:ext>
+            </a:extLst>
+          </p:cNvPr>
+          <p:cNvPicPr>
+            <a:picLocks noChangeAspect="1"/>
+          </p:cNvPicPr>
+          <p:nvPr/>
+        </p:nvPicPr>
+        <p:blipFill>
+          <a:blip r:embed="rId3"/>
+          <a:stretch>
+            <a:fillRect/>
+          </a:stretch>
+        </p:blipFill>
+        <p:spPr>
+          <a:xfrm>
+            <a:off x="182012" y="753664"/>
+            <a:ext cx="5669771" cy="5761219"/>
+          </a:xfrm>
+          <a:prstGeom prst="rect">
+            <a:avLst/>
+          </a:prstGeom>
+        </p:spPr>
+      </p:pic>
+      <p:pic>
+        <p:nvPicPr>
+          <p:cNvPr id="6" name="图片 5">
+            <a:extLst>
+              <a:ext uri="{FF2B5EF4-FFF2-40B4-BE49-F238E27FC236}">
+                <a16:creationId xmlns:a16="http://schemas.microsoft.com/office/drawing/2014/main" id="{3619A6E3-078C-4664-85E0-A23BA65D44FB}"/>
+              </a:ext>
+            </a:extLst>
+          </p:cNvPr>
+          <p:cNvPicPr>
+            <a:picLocks noChangeAspect="1"/>
+          </p:cNvPicPr>
+          <p:nvPr/>
+        </p:nvPicPr>
+        <p:blipFill>
+          <a:blip r:embed="rId4"/>
+          <a:stretch>
+            <a:fillRect/>
+          </a:stretch>
+        </p:blipFill>
+        <p:spPr>
+          <a:xfrm>
+            <a:off x="6269366" y="875876"/>
+            <a:ext cx="4206605" cy="4397121"/>
+          </a:xfrm>
+          <a:prstGeom prst="rect">
+            <a:avLst/>
+          </a:prstGeom>
+        </p:spPr>
+      </p:pic>
+    </p:spTree>
+    <p:extLst>
+      <p:ext uri="{BB962C8B-B14F-4D97-AF65-F5344CB8AC3E}">
+        <p14:creationId xmlns:p14="http://schemas.microsoft.com/office/powerpoint/2010/main" val="818967329"/>
+      </p:ext>
+    </p:extLst>
+  </p:cSld>
+  <p:clrMapOvr>
+    <a:masterClrMapping/>
+  </p:clrMapOvr>
+</p:sld>
+</file>
+
+<file path=ppt/slides/slide17.xml><?xml version="1.0" encoding="utf-8"?>
+<p:sld xmlns:a="http://schemas.openxmlformats.org/drawingml/2006/main" xmlns:r="http://schemas.openxmlformats.org/officeDocument/2006/relationships" xmlns:p="http://schemas.openxmlformats.org/presentationml/2006/main">
+  <p:cSld>
+    <p:spTree>
+      <p:nvGrpSpPr>
+        <p:cNvPr id="1" name=""/>
+        <p:cNvGrpSpPr/>
+        <p:nvPr/>
+      </p:nvGrpSpPr>
+      <p:grpSpPr>
+        <a:xfrm>
+          <a:off x="0" y="0"/>
+          <a:ext cx="0" cy="0"/>
+          <a:chOff x="0" y="0"/>
+          <a:chExt cx="0" cy="0"/>
+        </a:xfrm>
+      </p:grpSpPr>
+      <p:pic>
+        <p:nvPicPr>
+          <p:cNvPr id="4" name="图片 3">
+            <a:extLst>
+              <a:ext uri="{FF2B5EF4-FFF2-40B4-BE49-F238E27FC236}">
+                <a16:creationId xmlns:a16="http://schemas.microsoft.com/office/drawing/2014/main" id="{951296BE-53E7-4331-8EA2-8D1B24993956}"/>
+              </a:ext>
+            </a:extLst>
+          </p:cNvPr>
+          <p:cNvPicPr>
+            <a:picLocks noChangeAspect="1"/>
+          </p:cNvPicPr>
+          <p:nvPr/>
+        </p:nvPicPr>
+        <p:blipFill>
+          <a:blip r:embed="rId2"/>
+          <a:stretch>
+            <a:fillRect/>
+          </a:stretch>
+        </p:blipFill>
+        <p:spPr>
+          <a:xfrm>
+            <a:off x="342444" y="118493"/>
+            <a:ext cx="2842506" cy="548688"/>
+          </a:xfrm>
+          <a:prstGeom prst="rect">
+            <a:avLst/>
+          </a:prstGeom>
+        </p:spPr>
+      </p:pic>
+      <p:pic>
+        <p:nvPicPr>
+          <p:cNvPr id="6" name="图片 5">
+            <a:extLst>
+              <a:ext uri="{FF2B5EF4-FFF2-40B4-BE49-F238E27FC236}">
+                <a16:creationId xmlns:a16="http://schemas.microsoft.com/office/drawing/2014/main" id="{8A79DC77-505D-4AB4-AF30-C401A603D843}"/>
+              </a:ext>
+            </a:extLst>
+          </p:cNvPr>
+          <p:cNvPicPr>
+            <a:picLocks noChangeAspect="1"/>
+          </p:cNvPicPr>
+          <p:nvPr/>
+        </p:nvPicPr>
+        <p:blipFill>
+          <a:blip r:embed="rId3"/>
+          <a:stretch>
+            <a:fillRect/>
+          </a:stretch>
+        </p:blipFill>
+        <p:spPr>
+          <a:xfrm>
+            <a:off x="592206" y="878888"/>
+            <a:ext cx="3179377" cy="5689747"/>
+          </a:xfrm>
+          <a:prstGeom prst="rect">
+            <a:avLst/>
+          </a:prstGeom>
+        </p:spPr>
+      </p:pic>
+      <p:pic>
+        <p:nvPicPr>
+          <p:cNvPr id="7" name="图片 6">
+            <a:extLst>
+              <a:ext uri="{FF2B5EF4-FFF2-40B4-BE49-F238E27FC236}">
+                <a16:creationId xmlns:a16="http://schemas.microsoft.com/office/drawing/2014/main" id="{C9B48BCA-9321-46FD-A006-857DF9DF3F6A}"/>
+              </a:ext>
+            </a:extLst>
+          </p:cNvPr>
+          <p:cNvPicPr>
+            <a:picLocks noChangeAspect="1"/>
+          </p:cNvPicPr>
+          <p:nvPr/>
+        </p:nvPicPr>
+        <p:blipFill>
+          <a:blip r:embed="rId4"/>
+          <a:stretch>
+            <a:fillRect/>
+          </a:stretch>
+        </p:blipFill>
+        <p:spPr>
+          <a:xfrm>
+            <a:off x="4052625" y="855526"/>
+            <a:ext cx="2872102" cy="5146948"/>
+          </a:xfrm>
+          <a:prstGeom prst="rect">
+            <a:avLst/>
+          </a:prstGeom>
+        </p:spPr>
+      </p:pic>
+      <p:sp>
+        <p:nvSpPr>
+          <p:cNvPr id="8" name="文本框 7">
+            <a:extLst>
+              <a:ext uri="{FF2B5EF4-FFF2-40B4-BE49-F238E27FC236}">
+                <a16:creationId xmlns:a16="http://schemas.microsoft.com/office/drawing/2014/main" id="{D385EB79-1701-48AD-BE64-119771FDB137}"/>
+              </a:ext>
+            </a:extLst>
+          </p:cNvPr>
+          <p:cNvSpPr txBox="1"/>
+          <p:nvPr/>
+        </p:nvSpPr>
+        <p:spPr>
+          <a:xfrm>
+            <a:off x="7205769" y="855526"/>
+            <a:ext cx="4048217" cy="2308324"/>
+          </a:xfrm>
+          <a:prstGeom prst="rect">
+            <a:avLst/>
+          </a:prstGeom>
+          <a:noFill/>
+        </p:spPr>
+        <p:txBody>
+          <a:bodyPr wrap="square" rtlCol="0">
+            <a:spAutoFit/>
+          </a:bodyPr>
+          <a:lstStyle/>
+          <a:p>
+            <a:r>
+              <a:rPr lang="en-US" altLang="zh-CN" b="1"/>
+              <a:t>Node</a:t>
+            </a:r>
+            <a:r>
+              <a:rPr lang="zh-CN" altLang="en-US" b="1"/>
+              <a:t>和</a:t>
+            </a:r>
+            <a:r>
+              <a:rPr lang="en-US" altLang="zh-CN" b="1"/>
+              <a:t>function</a:t>
+            </a:r>
+            <a:r>
+              <a:rPr lang="zh-CN" altLang="en-US" b="1"/>
+              <a:t>操作符区别</a:t>
+            </a:r>
+            <a:r>
+              <a:rPr lang="zh-CN" altLang="en-US"/>
+              <a:t>：</a:t>
+            </a:r>
+            <a:endParaRPr lang="en-US" altLang="zh-CN"/>
+          </a:p>
+          <a:p>
+            <a:r>
+              <a:rPr lang="en-US" altLang="zh-CN"/>
+              <a:t>Node</a:t>
+            </a:r>
+            <a:r>
+              <a:rPr lang="zh-CN" altLang="en-US"/>
+              <a:t>类型操作符会自动生成额外的上下文环境，以保存时序相关信息。例如当用到时间操作符，状态机，变量的延时设置等建模单元时就需要把自定义操作符的属性设置为</a:t>
+            </a:r>
+            <a:r>
+              <a:rPr lang="en-US" altLang="zh-CN"/>
+              <a:t>Node</a:t>
+            </a:r>
+            <a:r>
+              <a:rPr lang="zh-CN" altLang="en-US"/>
+              <a:t>类型，而</a:t>
+            </a:r>
+            <a:r>
+              <a:rPr lang="en-US" altLang="zh-CN"/>
+              <a:t>function</a:t>
+            </a:r>
+            <a:r>
+              <a:rPr lang="zh-CN" altLang="en-US"/>
+              <a:t>类型是不需要生成额外的上下文环境的。</a:t>
+            </a:r>
+          </a:p>
+        </p:txBody>
+      </p:sp>
+    </p:spTree>
+    <p:extLst>
+      <p:ext uri="{BB962C8B-B14F-4D97-AF65-F5344CB8AC3E}">
+        <p14:creationId xmlns:p14="http://schemas.microsoft.com/office/powerpoint/2010/main" val="1017257588"/>
+      </p:ext>
+    </p:extLst>
+  </p:cSld>
+  <p:clrMapOvr>
+    <a:masterClrMapping/>
+  </p:clrMapOvr>
+</p:sld>
+</file>
+
+<file path=ppt/slides/slide18.xml><?xml version="1.0" encoding="utf-8"?>
+<p:sld xmlns:a="http://schemas.openxmlformats.org/drawingml/2006/main" xmlns:r="http://schemas.openxmlformats.org/officeDocument/2006/relationships" xmlns:p="http://schemas.openxmlformats.org/presentationml/2006/main">
+  <p:cSld>
+    <p:spTree>
+      <p:nvGrpSpPr>
+        <p:cNvPr id="1" name=""/>
+        <p:cNvGrpSpPr/>
+        <p:nvPr/>
+      </p:nvGrpSpPr>
+      <p:grpSpPr>
+        <a:xfrm>
+          <a:off x="0" y="0"/>
+          <a:ext cx="0" cy="0"/>
+          <a:chOff x="0" y="0"/>
+          <a:chExt cx="0" cy="0"/>
+        </a:xfrm>
+      </p:grpSpPr>
+      <p:sp>
+        <p:nvSpPr>
+          <p:cNvPr id="4" name="文本框 3">
+            <a:extLst>
+              <a:ext uri="{FF2B5EF4-FFF2-40B4-BE49-F238E27FC236}">
+                <a16:creationId xmlns:a16="http://schemas.microsoft.com/office/drawing/2014/main" id="{6948AFCE-90A6-4E33-AEC7-43FA823F0E66}"/>
+              </a:ext>
+            </a:extLst>
+          </p:cNvPr>
+          <p:cNvSpPr txBox="1"/>
+          <p:nvPr/>
+        </p:nvSpPr>
+        <p:spPr>
+          <a:xfrm>
+            <a:off x="242596" y="279918"/>
+            <a:ext cx="6960637" cy="646331"/>
+          </a:xfrm>
+          <a:prstGeom prst="rect">
+            <a:avLst/>
+          </a:prstGeom>
+          <a:noFill/>
+        </p:spPr>
+        <p:txBody>
+          <a:bodyPr wrap="square" rtlCol="0">
+            <a:spAutoFit/>
+          </a:bodyPr>
+          <a:lstStyle/>
+          <a:p>
+            <a:r>
+              <a:rPr lang="en-US" altLang="zh-CN"/>
+              <a:t>Scade_lex</a:t>
+            </a:r>
+            <a:r>
+              <a:rPr lang="zh-CN" altLang="en-US"/>
+              <a:t>有问题，若是</a:t>
+            </a:r>
+            <a:r>
+              <a:rPr lang="en-US" altLang="zh-CN"/>
+              <a:t>0x1</a:t>
+            </a:r>
+            <a:r>
+              <a:rPr lang="zh-CN" altLang="en-US"/>
+              <a:t>应该是</a:t>
+            </a:r>
+            <a:r>
+              <a:rPr lang="en-US" altLang="zh-CN"/>
+              <a:t>integernum</a:t>
+            </a:r>
+            <a:r>
+              <a:rPr lang="zh-CN" altLang="en-US"/>
+              <a:t>，但是输出确把</a:t>
+            </a:r>
+            <a:r>
+              <a:rPr lang="en-US" altLang="zh-CN"/>
+              <a:t>0</a:t>
+            </a:r>
+            <a:r>
+              <a:rPr lang="zh-CN" altLang="en-US"/>
+              <a:t>当成</a:t>
+            </a:r>
+            <a:r>
+              <a:rPr lang="en-US" altLang="zh-CN"/>
+              <a:t>intconst</a:t>
+            </a:r>
+            <a:r>
+              <a:rPr lang="zh-CN" altLang="en-US"/>
+              <a:t>，</a:t>
+            </a:r>
+            <a:r>
+              <a:rPr lang="en-US" altLang="zh-CN"/>
+              <a:t>x1</a:t>
+            </a:r>
+            <a:r>
+              <a:rPr lang="zh-CN" altLang="en-US"/>
+              <a:t>当做</a:t>
+            </a:r>
+            <a:r>
+              <a:rPr lang="en-US" altLang="zh-CN"/>
+              <a:t>lv6id</a:t>
+            </a:r>
+            <a:endParaRPr lang="zh-CN" altLang="en-US"/>
+          </a:p>
+        </p:txBody>
+      </p:sp>
+      <p:pic>
+        <p:nvPicPr>
+          <p:cNvPr id="5" name="图片 4">
+            <a:extLst>
+              <a:ext uri="{FF2B5EF4-FFF2-40B4-BE49-F238E27FC236}">
+                <a16:creationId xmlns:a16="http://schemas.microsoft.com/office/drawing/2014/main" id="{C57870FC-C433-47CD-81FE-4B55EB61DA27}"/>
+              </a:ext>
+            </a:extLst>
+          </p:cNvPr>
+          <p:cNvPicPr>
+            <a:picLocks noChangeAspect="1"/>
+          </p:cNvPicPr>
+          <p:nvPr/>
+        </p:nvPicPr>
+        <p:blipFill>
+          <a:blip r:embed="rId2"/>
+          <a:stretch>
+            <a:fillRect/>
+          </a:stretch>
+        </p:blipFill>
+        <p:spPr>
+          <a:xfrm>
+            <a:off x="393822" y="1442889"/>
+            <a:ext cx="5249525" cy="4575356"/>
+          </a:xfrm>
+          <a:prstGeom prst="rect">
+            <a:avLst/>
+          </a:prstGeom>
+        </p:spPr>
+      </p:pic>
+      <p:pic>
+        <p:nvPicPr>
+          <p:cNvPr id="6" name="图片 5">
+            <a:extLst>
+              <a:ext uri="{FF2B5EF4-FFF2-40B4-BE49-F238E27FC236}">
+                <a16:creationId xmlns:a16="http://schemas.microsoft.com/office/drawing/2014/main" id="{9F9C964D-C154-4F7A-83EC-C09D2410C9BE}"/>
+              </a:ext>
+            </a:extLst>
+          </p:cNvPr>
+          <p:cNvPicPr>
+            <a:picLocks noChangeAspect="1"/>
+          </p:cNvPicPr>
+          <p:nvPr/>
+        </p:nvPicPr>
+        <p:blipFill>
+          <a:blip r:embed="rId3"/>
+          <a:stretch>
+            <a:fillRect/>
+          </a:stretch>
+        </p:blipFill>
+        <p:spPr>
+          <a:xfrm>
+            <a:off x="5794346" y="1126539"/>
+            <a:ext cx="6226080" cy="5616427"/>
+          </a:xfrm>
+          <a:prstGeom prst="rect">
+            <a:avLst/>
+          </a:prstGeom>
+        </p:spPr>
+      </p:pic>
+      <p:pic>
+        <p:nvPicPr>
+          <p:cNvPr id="2" name="图片 1">
+            <a:extLst>
+              <a:ext uri="{FF2B5EF4-FFF2-40B4-BE49-F238E27FC236}">
+                <a16:creationId xmlns:a16="http://schemas.microsoft.com/office/drawing/2014/main" id="{47B76DFF-E3E0-4F26-A0A7-1DB2B8DD5FD1}"/>
+              </a:ext>
+            </a:extLst>
+          </p:cNvPr>
+          <p:cNvPicPr>
+            <a:picLocks noChangeAspect="1"/>
+          </p:cNvPicPr>
+          <p:nvPr/>
+        </p:nvPicPr>
+        <p:blipFill>
+          <a:blip r:embed="rId4"/>
+          <a:stretch>
+            <a:fillRect/>
+          </a:stretch>
+        </p:blipFill>
+        <p:spPr>
+          <a:xfrm>
+            <a:off x="7767962" y="89606"/>
+            <a:ext cx="3210876" cy="936788"/>
+          </a:xfrm>
+          <a:prstGeom prst="rect">
+            <a:avLst/>
+          </a:prstGeom>
+        </p:spPr>
+      </p:pic>
+    </p:spTree>
+    <p:extLst>
+      <p:ext uri="{BB962C8B-B14F-4D97-AF65-F5344CB8AC3E}">
+        <p14:creationId xmlns:p14="http://schemas.microsoft.com/office/powerpoint/2010/main" val="1204162928"/>
       </p:ext>
     </p:extLst>
   </p:cSld>
